--- a/ОИБ/Курсач.pptx
+++ b/ОИБ/Курсач.pptx
@@ -104,6 +104,11 @@
       </a:defRPr>
     </a:lvl9pPr>
   </p:defaultTextStyle>
+  <p:extLst>
+    <p:ext uri="{EFAFB233-063F-42B5-8137-9DF3F51BA10A}">
+      <p15:sldGuideLst xmlns:p15="http://schemas.microsoft.com/office/powerpoint/2012/main"/>
+    </p:ext>
+  </p:extLst>
 </p:presentation>
 </file>
 
@@ -254,7 +259,7 @@
           <a:p>
             <a:fld id="{D2A2E43F-BBC9-4CFA-8C8C-5F79B175A72F}" type="datetimeFigureOut">
               <a:rPr lang="ru-RU" smtClean="0"/>
-              <a:t>04.05.2020</a:t>
+              <a:t>05.05.2020</a:t>
             </a:fld>
             <a:endParaRPr lang="ru-RU"/>
           </a:p>
@@ -452,7 +457,7 @@
           <a:p>
             <a:fld id="{D2A2E43F-BBC9-4CFA-8C8C-5F79B175A72F}" type="datetimeFigureOut">
               <a:rPr lang="ru-RU" smtClean="0"/>
-              <a:t>04.05.2020</a:t>
+              <a:t>05.05.2020</a:t>
             </a:fld>
             <a:endParaRPr lang="ru-RU"/>
           </a:p>
@@ -660,7 +665,7 @@
           <a:p>
             <a:fld id="{D2A2E43F-BBC9-4CFA-8C8C-5F79B175A72F}" type="datetimeFigureOut">
               <a:rPr lang="ru-RU" smtClean="0"/>
-              <a:t>04.05.2020</a:t>
+              <a:t>05.05.2020</a:t>
             </a:fld>
             <a:endParaRPr lang="ru-RU"/>
           </a:p>
@@ -858,7 +863,7 @@
           <a:p>
             <a:fld id="{D2A2E43F-BBC9-4CFA-8C8C-5F79B175A72F}" type="datetimeFigureOut">
               <a:rPr lang="ru-RU" smtClean="0"/>
-              <a:t>04.05.2020</a:t>
+              <a:t>05.05.2020</a:t>
             </a:fld>
             <a:endParaRPr lang="ru-RU"/>
           </a:p>
@@ -1133,7 +1138,7 @@
           <a:p>
             <a:fld id="{D2A2E43F-BBC9-4CFA-8C8C-5F79B175A72F}" type="datetimeFigureOut">
               <a:rPr lang="ru-RU" smtClean="0"/>
-              <a:t>04.05.2020</a:t>
+              <a:t>05.05.2020</a:t>
             </a:fld>
             <a:endParaRPr lang="ru-RU"/>
           </a:p>
@@ -1398,7 +1403,7 @@
           <a:p>
             <a:fld id="{D2A2E43F-BBC9-4CFA-8C8C-5F79B175A72F}" type="datetimeFigureOut">
               <a:rPr lang="ru-RU" smtClean="0"/>
-              <a:t>04.05.2020</a:t>
+              <a:t>05.05.2020</a:t>
             </a:fld>
             <a:endParaRPr lang="ru-RU"/>
           </a:p>
@@ -1810,7 +1815,7 @@
           <a:p>
             <a:fld id="{D2A2E43F-BBC9-4CFA-8C8C-5F79B175A72F}" type="datetimeFigureOut">
               <a:rPr lang="ru-RU" smtClean="0"/>
-              <a:t>04.05.2020</a:t>
+              <a:t>05.05.2020</a:t>
             </a:fld>
             <a:endParaRPr lang="ru-RU"/>
           </a:p>
@@ -1951,7 +1956,7 @@
           <a:p>
             <a:fld id="{D2A2E43F-BBC9-4CFA-8C8C-5F79B175A72F}" type="datetimeFigureOut">
               <a:rPr lang="ru-RU" smtClean="0"/>
-              <a:t>04.05.2020</a:t>
+              <a:t>05.05.2020</a:t>
             </a:fld>
             <a:endParaRPr lang="ru-RU"/>
           </a:p>
@@ -2064,7 +2069,7 @@
           <a:p>
             <a:fld id="{D2A2E43F-BBC9-4CFA-8C8C-5F79B175A72F}" type="datetimeFigureOut">
               <a:rPr lang="ru-RU" smtClean="0"/>
-              <a:t>04.05.2020</a:t>
+              <a:t>05.05.2020</a:t>
             </a:fld>
             <a:endParaRPr lang="ru-RU"/>
           </a:p>
@@ -2375,7 +2380,7 @@
           <a:p>
             <a:fld id="{D2A2E43F-BBC9-4CFA-8C8C-5F79B175A72F}" type="datetimeFigureOut">
               <a:rPr lang="ru-RU" smtClean="0"/>
-              <a:t>04.05.2020</a:t>
+              <a:t>05.05.2020</a:t>
             </a:fld>
             <a:endParaRPr lang="ru-RU"/>
           </a:p>
@@ -2663,7 +2668,7 @@
           <a:p>
             <a:fld id="{D2A2E43F-BBC9-4CFA-8C8C-5F79B175A72F}" type="datetimeFigureOut">
               <a:rPr lang="ru-RU" smtClean="0"/>
-              <a:t>04.05.2020</a:t>
+              <a:t>05.05.2020</a:t>
             </a:fld>
             <a:endParaRPr lang="ru-RU"/>
           </a:p>
@@ -2904,7 +2909,7 @@
           <a:p>
             <a:fld id="{D2A2E43F-BBC9-4CFA-8C8C-5F79B175A72F}" type="datetimeFigureOut">
               <a:rPr lang="ru-RU" smtClean="0"/>
-              <a:t>04.05.2020</a:t>
+              <a:t>05.05.2020</a:t>
             </a:fld>
             <a:endParaRPr lang="ru-RU"/>
           </a:p>
@@ -3335,8 +3340,8 @@
         </p:nvSpPr>
         <p:spPr>
           <a:xfrm>
-            <a:off x="1589103" y="1740024"/>
-            <a:ext cx="4953740" cy="3577701"/>
+            <a:off x="2775279" y="1477273"/>
+            <a:ext cx="5181836" cy="3903453"/>
           </a:xfrm>
           <a:prstGeom prst="rect">
             <a:avLst/>
@@ -3366,7 +3371,7 @@
           <a:lstStyle/>
           <a:p>
             <a:pPr algn="ctr"/>
-            <a:endParaRPr lang="ru-RU"/>
+            <a:endParaRPr lang="ru-RU" dirty="0"/>
           </a:p>
         </p:txBody>
       </p:sp>
@@ -3384,7 +3389,7 @@
         </p:nvSpPr>
         <p:spPr>
           <a:xfrm>
-            <a:off x="3235425" y="1127465"/>
+            <a:off x="4535649" y="716516"/>
             <a:ext cx="1661096" cy="523220"/>
           </a:xfrm>
           <a:prstGeom prst="rect">
@@ -3422,7 +3427,7 @@
         </p:nvSpPr>
         <p:spPr>
           <a:xfrm>
-            <a:off x="8744505" y="4181382"/>
+            <a:off x="407990" y="4584990"/>
             <a:ext cx="1555012" cy="1340528"/>
           </a:xfrm>
           <a:prstGeom prst="triangle">
@@ -3467,7 +3472,7 @@
         </p:nvSpPr>
         <p:spPr>
           <a:xfrm>
-            <a:off x="8783796" y="5575177"/>
+            <a:off x="447281" y="5978785"/>
             <a:ext cx="1476429" cy="707886"/>
           </a:xfrm>
           <a:prstGeom prst="rect">
@@ -3510,7 +3515,7 @@
         </p:nvSpPr>
         <p:spPr>
           <a:xfrm>
-            <a:off x="1892483" y="3817398"/>
+            <a:off x="3087299" y="3941359"/>
             <a:ext cx="2130641" cy="1313895"/>
           </a:xfrm>
           <a:prstGeom prst="ellipse">
@@ -3561,6 +3566,758 @@
           </a:p>
         </p:txBody>
       </p:sp>
+      <p:cxnSp>
+        <p:nvCxnSpPr>
+          <p:cNvPr id="3" name="Прямая со стрелкой 2">
+            <a:extLst>
+              <a:ext uri="{FF2B5EF4-FFF2-40B4-BE49-F238E27FC236}">
+                <a16:creationId xmlns:a16="http://schemas.microsoft.com/office/drawing/2014/main" id="{9A0A6176-40A6-4B94-9787-DB0C249294E9}"/>
+              </a:ext>
+            </a:extLst>
+          </p:cNvPr>
+          <p:cNvCxnSpPr>
+            <a:cxnSpLocks/>
+            <a:endCxn id="8" idx="2"/>
+          </p:cNvCxnSpPr>
+          <p:nvPr/>
+        </p:nvCxnSpPr>
+        <p:spPr>
+          <a:xfrm flipV="1">
+            <a:off x="1365504" y="4598307"/>
+            <a:ext cx="1721795" cy="176234"/>
+          </a:xfrm>
+          <a:prstGeom prst="straightConnector1">
+            <a:avLst/>
+          </a:prstGeom>
+          <a:ln w="38100">
+            <a:tailEnd type="triangle"/>
+          </a:ln>
+        </p:spPr>
+        <p:style>
+          <a:lnRef idx="1">
+            <a:schemeClr val="accent1"/>
+          </a:lnRef>
+          <a:fillRef idx="0">
+            <a:schemeClr val="accent1"/>
+          </a:fillRef>
+          <a:effectRef idx="0">
+            <a:schemeClr val="accent1"/>
+          </a:effectRef>
+          <a:fontRef idx="minor">
+            <a:schemeClr val="tx1"/>
+          </a:fontRef>
+        </p:style>
+      </p:cxnSp>
+      <p:cxnSp>
+        <p:nvCxnSpPr>
+          <p:cNvPr id="9" name="Прямая со стрелкой 8">
+            <a:extLst>
+              <a:ext uri="{FF2B5EF4-FFF2-40B4-BE49-F238E27FC236}">
+                <a16:creationId xmlns:a16="http://schemas.microsoft.com/office/drawing/2014/main" id="{9EF3A42F-0DA9-4B57-A6FE-DBD691149D28}"/>
+              </a:ext>
+            </a:extLst>
+          </p:cNvPr>
+          <p:cNvCxnSpPr>
+            <a:cxnSpLocks/>
+            <a:stCxn id="8" idx="3"/>
+            <a:endCxn id="6" idx="5"/>
+          </p:cNvCxnSpPr>
+          <p:nvPr/>
+        </p:nvCxnSpPr>
+        <p:spPr>
+          <a:xfrm flipH="1">
+            <a:off x="1574249" y="5062839"/>
+            <a:ext cx="1825075" cy="192415"/>
+          </a:xfrm>
+          <a:prstGeom prst="straightConnector1">
+            <a:avLst/>
+          </a:prstGeom>
+          <a:ln w="38100">
+            <a:tailEnd type="triangle"/>
+          </a:ln>
+        </p:spPr>
+        <p:style>
+          <a:lnRef idx="1">
+            <a:schemeClr val="accent1"/>
+          </a:lnRef>
+          <a:fillRef idx="0">
+            <a:schemeClr val="accent1"/>
+          </a:fillRef>
+          <a:effectRef idx="0">
+            <a:schemeClr val="accent1"/>
+          </a:effectRef>
+          <a:fontRef idx="minor">
+            <a:schemeClr val="tx1"/>
+          </a:fontRef>
+        </p:style>
+      </p:cxnSp>
+      <p:sp>
+        <p:nvSpPr>
+          <p:cNvPr id="14" name="Прямоугольник: скругленные углы 13">
+            <a:extLst>
+              <a:ext uri="{FF2B5EF4-FFF2-40B4-BE49-F238E27FC236}">
+                <a16:creationId xmlns:a16="http://schemas.microsoft.com/office/drawing/2014/main" id="{1F424E40-5446-47A3-9E81-AA7EDD1B8F6F}"/>
+              </a:ext>
+            </a:extLst>
+          </p:cNvPr>
+          <p:cNvSpPr/>
+          <p:nvPr/>
+        </p:nvSpPr>
+        <p:spPr>
+          <a:xfrm>
+            <a:off x="9656064" y="1891381"/>
+            <a:ext cx="2150289" cy="1024128"/>
+          </a:xfrm>
+          <a:prstGeom prst="roundRect">
+            <a:avLst/>
+          </a:prstGeom>
+          <a:ln w="38100">
+            <a:solidFill>
+              <a:schemeClr val="accent2">
+                <a:lumMod val="75000"/>
+              </a:schemeClr>
+            </a:solidFill>
+          </a:ln>
+        </p:spPr>
+        <p:style>
+          <a:lnRef idx="2">
+            <a:schemeClr val="accent1"/>
+          </a:lnRef>
+          <a:fillRef idx="1">
+            <a:schemeClr val="lt1"/>
+          </a:fillRef>
+          <a:effectRef idx="0">
+            <a:schemeClr val="accent1"/>
+          </a:effectRef>
+          <a:fontRef idx="minor">
+            <a:schemeClr val="dk1"/>
+          </a:fontRef>
+        </p:style>
+        <p:txBody>
+          <a:bodyPr rtlCol="0" anchor="ctr"/>
+          <a:lstStyle/>
+          <a:p>
+            <a:pPr algn="ctr"/>
+            <a:r>
+              <a:rPr lang="ru-RU" dirty="0">
+                <a:latin typeface="Times New Roman" panose="02020603050405020304" pitchFamily="18" charset="0"/>
+                <a:cs typeface="Times New Roman" panose="02020603050405020304" pitchFamily="18" charset="0"/>
+              </a:rPr>
+              <a:t>Пилоты</a:t>
+            </a:r>
+          </a:p>
+        </p:txBody>
+      </p:sp>
+      <p:sp>
+        <p:nvSpPr>
+          <p:cNvPr id="15" name="Прямоугольник 14">
+            <a:extLst>
+              <a:ext uri="{FF2B5EF4-FFF2-40B4-BE49-F238E27FC236}">
+                <a16:creationId xmlns:a16="http://schemas.microsoft.com/office/drawing/2014/main" id="{CA2466C7-8208-4525-B129-E8F0B93608E0}"/>
+              </a:ext>
+            </a:extLst>
+          </p:cNvPr>
+          <p:cNvSpPr/>
+          <p:nvPr/>
+        </p:nvSpPr>
+        <p:spPr>
+          <a:xfrm>
+            <a:off x="5742432" y="2005608"/>
+            <a:ext cx="1731264" cy="993600"/>
+          </a:xfrm>
+          <a:prstGeom prst="rect">
+            <a:avLst/>
+          </a:prstGeom>
+          <a:ln w="38100"/>
+        </p:spPr>
+        <p:style>
+          <a:lnRef idx="2">
+            <a:schemeClr val="accent1"/>
+          </a:lnRef>
+          <a:fillRef idx="1">
+            <a:schemeClr val="lt1"/>
+          </a:fillRef>
+          <a:effectRef idx="0">
+            <a:schemeClr val="accent1"/>
+          </a:effectRef>
+          <a:fontRef idx="minor">
+            <a:schemeClr val="dk1"/>
+          </a:fontRef>
+        </p:style>
+        <p:txBody>
+          <a:bodyPr rtlCol="0" anchor="ctr"/>
+          <a:lstStyle/>
+          <a:p>
+            <a:pPr algn="ctr"/>
+            <a:r>
+              <a:rPr lang="ru-RU" dirty="0">
+                <a:latin typeface="Times New Roman" panose="02020603050405020304" pitchFamily="18" charset="0"/>
+                <a:cs typeface="Times New Roman" panose="02020603050405020304" pitchFamily="18" charset="0"/>
+              </a:rPr>
+              <a:t>Диспетчерская служба</a:t>
+            </a:r>
+          </a:p>
+        </p:txBody>
+      </p:sp>
+      <p:cxnSp>
+        <p:nvCxnSpPr>
+          <p:cNvPr id="16" name="Прямая со стрелкой 15">
+            <a:extLst>
+              <a:ext uri="{FF2B5EF4-FFF2-40B4-BE49-F238E27FC236}">
+                <a16:creationId xmlns:a16="http://schemas.microsoft.com/office/drawing/2014/main" id="{AB0A2125-C3BC-43F9-BD96-04BC54356299}"/>
+              </a:ext>
+            </a:extLst>
+          </p:cNvPr>
+          <p:cNvCxnSpPr>
+            <a:cxnSpLocks/>
+          </p:cNvCxnSpPr>
+          <p:nvPr/>
+        </p:nvCxnSpPr>
+        <p:spPr>
+          <a:xfrm flipH="1">
+            <a:off x="7473696" y="2152942"/>
+            <a:ext cx="2182368" cy="0"/>
+          </a:xfrm>
+          <a:prstGeom prst="straightConnector1">
+            <a:avLst/>
+          </a:prstGeom>
+          <a:ln w="38100">
+            <a:tailEnd type="triangle"/>
+          </a:ln>
+        </p:spPr>
+        <p:style>
+          <a:lnRef idx="1">
+            <a:schemeClr val="accent1"/>
+          </a:lnRef>
+          <a:fillRef idx="0">
+            <a:schemeClr val="accent1"/>
+          </a:fillRef>
+          <a:effectRef idx="0">
+            <a:schemeClr val="accent1"/>
+          </a:effectRef>
+          <a:fontRef idx="minor">
+            <a:schemeClr val="tx1"/>
+          </a:fontRef>
+        </p:style>
+      </p:cxnSp>
+      <p:cxnSp>
+        <p:nvCxnSpPr>
+          <p:cNvPr id="17" name="Прямая со стрелкой 16">
+            <a:extLst>
+              <a:ext uri="{FF2B5EF4-FFF2-40B4-BE49-F238E27FC236}">
+                <a16:creationId xmlns:a16="http://schemas.microsoft.com/office/drawing/2014/main" id="{E56B6123-0B34-4F64-9AAE-EE965863A829}"/>
+              </a:ext>
+            </a:extLst>
+          </p:cNvPr>
+          <p:cNvCxnSpPr>
+            <a:cxnSpLocks/>
+          </p:cNvCxnSpPr>
+          <p:nvPr/>
+        </p:nvCxnSpPr>
+        <p:spPr>
+          <a:xfrm>
+            <a:off x="7473696" y="2756351"/>
+            <a:ext cx="2182368" cy="0"/>
+          </a:xfrm>
+          <a:prstGeom prst="straightConnector1">
+            <a:avLst/>
+          </a:prstGeom>
+          <a:ln w="38100">
+            <a:tailEnd type="triangle"/>
+          </a:ln>
+        </p:spPr>
+        <p:style>
+          <a:lnRef idx="1">
+            <a:schemeClr val="accent1"/>
+          </a:lnRef>
+          <a:fillRef idx="0">
+            <a:schemeClr val="accent1"/>
+          </a:fillRef>
+          <a:effectRef idx="0">
+            <a:schemeClr val="accent1"/>
+          </a:effectRef>
+          <a:fontRef idx="minor">
+            <a:schemeClr val="tx1"/>
+          </a:fontRef>
+        </p:style>
+      </p:cxnSp>
+      <p:sp>
+        <p:nvSpPr>
+          <p:cNvPr id="30" name="Цилиндр 29">
+            <a:extLst>
+              <a:ext uri="{FF2B5EF4-FFF2-40B4-BE49-F238E27FC236}">
+                <a16:creationId xmlns:a16="http://schemas.microsoft.com/office/drawing/2014/main" id="{F503C4A2-157E-4EFC-B32A-068092715908}"/>
+              </a:ext>
+            </a:extLst>
+          </p:cNvPr>
+          <p:cNvSpPr/>
+          <p:nvPr/>
+        </p:nvSpPr>
+        <p:spPr>
+          <a:xfrm>
+            <a:off x="3286987" y="1852860"/>
+            <a:ext cx="1731264" cy="1286760"/>
+          </a:xfrm>
+          <a:prstGeom prst="can">
+            <a:avLst>
+              <a:gd name="adj" fmla="val 32580"/>
+            </a:avLst>
+          </a:prstGeom>
+          <a:ln w="38100"/>
+        </p:spPr>
+        <p:style>
+          <a:lnRef idx="2">
+            <a:schemeClr val="accent5"/>
+          </a:lnRef>
+          <a:fillRef idx="1">
+            <a:schemeClr val="lt1"/>
+          </a:fillRef>
+          <a:effectRef idx="0">
+            <a:schemeClr val="accent5"/>
+          </a:effectRef>
+          <a:fontRef idx="minor">
+            <a:schemeClr val="dk1"/>
+          </a:fontRef>
+        </p:style>
+        <p:txBody>
+          <a:bodyPr rtlCol="0" anchor="ctr"/>
+          <a:lstStyle/>
+          <a:p>
+            <a:pPr algn="ctr"/>
+            <a:r>
+              <a:rPr lang="ru-RU" dirty="0">
+                <a:latin typeface="Times New Roman" panose="02020603050405020304" pitchFamily="18" charset="0"/>
+                <a:cs typeface="Times New Roman" panose="02020603050405020304" pitchFamily="18" charset="0"/>
+              </a:rPr>
+              <a:t>Сервер</a:t>
+            </a:r>
+          </a:p>
+        </p:txBody>
+      </p:sp>
+      <p:cxnSp>
+        <p:nvCxnSpPr>
+          <p:cNvPr id="31" name="Прямая со стрелкой 30">
+            <a:extLst>
+              <a:ext uri="{FF2B5EF4-FFF2-40B4-BE49-F238E27FC236}">
+                <a16:creationId xmlns:a16="http://schemas.microsoft.com/office/drawing/2014/main" id="{695BE988-DCC1-4081-9056-FB63B3AA154E}"/>
+              </a:ext>
+            </a:extLst>
+          </p:cNvPr>
+          <p:cNvCxnSpPr>
+            <a:cxnSpLocks/>
+          </p:cNvCxnSpPr>
+          <p:nvPr/>
+        </p:nvCxnSpPr>
+        <p:spPr>
+          <a:xfrm>
+            <a:off x="4426938" y="3139620"/>
+            <a:ext cx="1" cy="826123"/>
+          </a:xfrm>
+          <a:prstGeom prst="straightConnector1">
+            <a:avLst/>
+          </a:prstGeom>
+          <a:ln w="38100">
+            <a:tailEnd type="triangle"/>
+          </a:ln>
+        </p:spPr>
+        <p:style>
+          <a:lnRef idx="1">
+            <a:schemeClr val="accent1"/>
+          </a:lnRef>
+          <a:fillRef idx="0">
+            <a:schemeClr val="accent1"/>
+          </a:fillRef>
+          <a:effectRef idx="0">
+            <a:schemeClr val="accent1"/>
+          </a:effectRef>
+          <a:fontRef idx="minor">
+            <a:schemeClr val="tx1"/>
+          </a:fontRef>
+        </p:style>
+      </p:cxnSp>
+      <p:cxnSp>
+        <p:nvCxnSpPr>
+          <p:cNvPr id="32" name="Прямая со стрелкой 31">
+            <a:extLst>
+              <a:ext uri="{FF2B5EF4-FFF2-40B4-BE49-F238E27FC236}">
+                <a16:creationId xmlns:a16="http://schemas.microsoft.com/office/drawing/2014/main" id="{7E7A56A9-1D9D-49C5-AFFB-24995E8EBAFF}"/>
+              </a:ext>
+            </a:extLst>
+          </p:cNvPr>
+          <p:cNvCxnSpPr>
+            <a:cxnSpLocks/>
+          </p:cNvCxnSpPr>
+          <p:nvPr/>
+        </p:nvCxnSpPr>
+        <p:spPr>
+          <a:xfrm flipV="1">
+            <a:off x="3952931" y="3139620"/>
+            <a:ext cx="0" cy="826124"/>
+          </a:xfrm>
+          <a:prstGeom prst="straightConnector1">
+            <a:avLst/>
+          </a:prstGeom>
+          <a:ln w="38100">
+            <a:tailEnd type="triangle"/>
+          </a:ln>
+        </p:spPr>
+        <p:style>
+          <a:lnRef idx="1">
+            <a:schemeClr val="accent1"/>
+          </a:lnRef>
+          <a:fillRef idx="0">
+            <a:schemeClr val="accent1"/>
+          </a:fillRef>
+          <a:effectRef idx="0">
+            <a:schemeClr val="accent1"/>
+          </a:effectRef>
+          <a:fontRef idx="minor">
+            <a:schemeClr val="tx1"/>
+          </a:fontRef>
+        </p:style>
+      </p:cxnSp>
+      <p:cxnSp>
+        <p:nvCxnSpPr>
+          <p:cNvPr id="37" name="Прямая со стрелкой 36">
+            <a:extLst>
+              <a:ext uri="{FF2B5EF4-FFF2-40B4-BE49-F238E27FC236}">
+                <a16:creationId xmlns:a16="http://schemas.microsoft.com/office/drawing/2014/main" id="{AB23DB3F-DD37-479F-AA1D-3A39EAA14888}"/>
+              </a:ext>
+            </a:extLst>
+          </p:cNvPr>
+          <p:cNvCxnSpPr>
+            <a:cxnSpLocks/>
+          </p:cNvCxnSpPr>
+          <p:nvPr/>
+        </p:nvCxnSpPr>
+        <p:spPr>
+          <a:xfrm flipH="1">
+            <a:off x="5018251" y="2190504"/>
+            <a:ext cx="724181" cy="0"/>
+          </a:xfrm>
+          <a:prstGeom prst="straightConnector1">
+            <a:avLst/>
+          </a:prstGeom>
+          <a:ln w="38100">
+            <a:tailEnd type="triangle"/>
+          </a:ln>
+        </p:spPr>
+        <p:style>
+          <a:lnRef idx="1">
+            <a:schemeClr val="accent1"/>
+          </a:lnRef>
+          <a:fillRef idx="0">
+            <a:schemeClr val="accent1"/>
+          </a:fillRef>
+          <a:effectRef idx="0">
+            <a:schemeClr val="accent1"/>
+          </a:effectRef>
+          <a:fontRef idx="minor">
+            <a:schemeClr val="tx1"/>
+          </a:fontRef>
+        </p:style>
+      </p:cxnSp>
+      <p:cxnSp>
+        <p:nvCxnSpPr>
+          <p:cNvPr id="38" name="Прямая со стрелкой 37">
+            <a:extLst>
+              <a:ext uri="{FF2B5EF4-FFF2-40B4-BE49-F238E27FC236}">
+                <a16:creationId xmlns:a16="http://schemas.microsoft.com/office/drawing/2014/main" id="{B02E7D16-2F7C-445C-A60B-792DC0BCBE9C}"/>
+              </a:ext>
+            </a:extLst>
+          </p:cNvPr>
+          <p:cNvCxnSpPr>
+            <a:cxnSpLocks/>
+          </p:cNvCxnSpPr>
+          <p:nvPr/>
+        </p:nvCxnSpPr>
+        <p:spPr>
+          <a:xfrm>
+            <a:off x="5018251" y="2793913"/>
+            <a:ext cx="724181" cy="0"/>
+          </a:xfrm>
+          <a:prstGeom prst="straightConnector1">
+            <a:avLst/>
+          </a:prstGeom>
+          <a:ln w="38100">
+            <a:tailEnd type="triangle"/>
+          </a:ln>
+        </p:spPr>
+        <p:style>
+          <a:lnRef idx="1">
+            <a:schemeClr val="accent1"/>
+          </a:lnRef>
+          <a:fillRef idx="0">
+            <a:schemeClr val="accent1"/>
+          </a:fillRef>
+          <a:effectRef idx="0">
+            <a:schemeClr val="accent1"/>
+          </a:effectRef>
+          <a:fontRef idx="minor">
+            <a:schemeClr val="tx1"/>
+          </a:fontRef>
+        </p:style>
+      </p:cxnSp>
+      <p:sp>
+        <p:nvSpPr>
+          <p:cNvPr id="46" name="Прямоугольник: усеченные противолежащие углы 45">
+            <a:extLst>
+              <a:ext uri="{FF2B5EF4-FFF2-40B4-BE49-F238E27FC236}">
+                <a16:creationId xmlns:a16="http://schemas.microsoft.com/office/drawing/2014/main" id="{9AA7CC9E-7E96-4337-84BA-7DAB92B1F005}"/>
+              </a:ext>
+            </a:extLst>
+          </p:cNvPr>
+          <p:cNvSpPr/>
+          <p:nvPr/>
+        </p:nvSpPr>
+        <p:spPr>
+          <a:xfrm>
+            <a:off x="5467809" y="3597762"/>
+            <a:ext cx="2182361" cy="1207006"/>
+          </a:xfrm>
+          <a:prstGeom prst="snip2DiagRect">
+            <a:avLst/>
+          </a:prstGeom>
+          <a:ln w="38100"/>
+        </p:spPr>
+        <p:style>
+          <a:lnRef idx="2">
+            <a:schemeClr val="accent6"/>
+          </a:lnRef>
+          <a:fillRef idx="1">
+            <a:schemeClr val="lt1"/>
+          </a:fillRef>
+          <a:effectRef idx="0">
+            <a:schemeClr val="accent6"/>
+          </a:effectRef>
+          <a:fontRef idx="minor">
+            <a:schemeClr val="dk1"/>
+          </a:fontRef>
+        </p:style>
+        <p:txBody>
+          <a:bodyPr rtlCol="0" anchor="ctr"/>
+          <a:lstStyle/>
+          <a:p>
+            <a:pPr algn="ctr"/>
+            <a:r>
+              <a:rPr lang="ru-RU" dirty="0"/>
+              <a:t>Отдел планирования</a:t>
+            </a:r>
+          </a:p>
+        </p:txBody>
+      </p:sp>
+      <p:cxnSp>
+        <p:nvCxnSpPr>
+          <p:cNvPr id="47" name="Прямая со стрелкой 46">
+            <a:extLst>
+              <a:ext uri="{FF2B5EF4-FFF2-40B4-BE49-F238E27FC236}">
+                <a16:creationId xmlns:a16="http://schemas.microsoft.com/office/drawing/2014/main" id="{D89F7491-EAC7-474A-99A9-28AE8351C0E0}"/>
+              </a:ext>
+            </a:extLst>
+          </p:cNvPr>
+          <p:cNvCxnSpPr>
+            <a:cxnSpLocks/>
+          </p:cNvCxnSpPr>
+          <p:nvPr/>
+        </p:nvCxnSpPr>
+        <p:spPr>
+          <a:xfrm>
+            <a:off x="4676808" y="3123277"/>
+            <a:ext cx="778135" cy="940810"/>
+          </a:xfrm>
+          <a:prstGeom prst="straightConnector1">
+            <a:avLst/>
+          </a:prstGeom>
+          <a:ln w="38100">
+            <a:tailEnd type="triangle"/>
+          </a:ln>
+        </p:spPr>
+        <p:style>
+          <a:lnRef idx="1">
+            <a:schemeClr val="accent1"/>
+          </a:lnRef>
+          <a:fillRef idx="0">
+            <a:schemeClr val="accent1"/>
+          </a:fillRef>
+          <a:effectRef idx="0">
+            <a:schemeClr val="accent1"/>
+          </a:effectRef>
+          <a:fontRef idx="minor">
+            <a:schemeClr val="tx1"/>
+          </a:fontRef>
+        </p:style>
+      </p:cxnSp>
+      <p:cxnSp>
+        <p:nvCxnSpPr>
+          <p:cNvPr id="49" name="Прямая со стрелкой 48">
+            <a:extLst>
+              <a:ext uri="{FF2B5EF4-FFF2-40B4-BE49-F238E27FC236}">
+                <a16:creationId xmlns:a16="http://schemas.microsoft.com/office/drawing/2014/main" id="{943F7709-9AC0-4DD3-886B-35B9471763EC}"/>
+              </a:ext>
+            </a:extLst>
+          </p:cNvPr>
+          <p:cNvCxnSpPr>
+            <a:cxnSpLocks/>
+          </p:cNvCxnSpPr>
+          <p:nvPr/>
+        </p:nvCxnSpPr>
+        <p:spPr>
+          <a:xfrm flipH="1" flipV="1">
+            <a:off x="4913377" y="2999209"/>
+            <a:ext cx="541566" cy="596444"/>
+          </a:xfrm>
+          <a:prstGeom prst="straightConnector1">
+            <a:avLst/>
+          </a:prstGeom>
+          <a:ln w="38100">
+            <a:tailEnd type="triangle"/>
+          </a:ln>
+        </p:spPr>
+        <p:style>
+          <a:lnRef idx="1">
+            <a:schemeClr val="accent1"/>
+          </a:lnRef>
+          <a:fillRef idx="0">
+            <a:schemeClr val="accent1"/>
+          </a:fillRef>
+          <a:effectRef idx="0">
+            <a:schemeClr val="accent1"/>
+          </a:effectRef>
+          <a:fontRef idx="minor">
+            <a:schemeClr val="tx1"/>
+          </a:fontRef>
+        </p:style>
+      </p:cxnSp>
+      <p:sp>
+        <p:nvSpPr>
+          <p:cNvPr id="55" name="Стрелка: пятиугольник 54">
+            <a:extLst>
+              <a:ext uri="{FF2B5EF4-FFF2-40B4-BE49-F238E27FC236}">
+                <a16:creationId xmlns:a16="http://schemas.microsoft.com/office/drawing/2014/main" id="{1D71DFA3-7F57-4ACE-BAD6-31DBD881BC6B}"/>
+              </a:ext>
+            </a:extLst>
+          </p:cNvPr>
+          <p:cNvSpPr/>
+          <p:nvPr/>
+        </p:nvSpPr>
+        <p:spPr>
+          <a:xfrm>
+            <a:off x="8552688" y="4804768"/>
+            <a:ext cx="2919984" cy="1340515"/>
+          </a:xfrm>
+          <a:prstGeom prst="homePlate">
+            <a:avLst/>
+          </a:prstGeom>
+          <a:ln w="38100"/>
+        </p:spPr>
+        <p:style>
+          <a:lnRef idx="2">
+            <a:schemeClr val="accent4"/>
+          </a:lnRef>
+          <a:fillRef idx="1">
+            <a:schemeClr val="lt1"/>
+          </a:fillRef>
+          <a:effectRef idx="0">
+            <a:schemeClr val="accent4"/>
+          </a:effectRef>
+          <a:fontRef idx="minor">
+            <a:schemeClr val="dk1"/>
+          </a:fontRef>
+        </p:style>
+        <p:txBody>
+          <a:bodyPr rtlCol="0" anchor="ctr"/>
+          <a:lstStyle/>
+          <a:p>
+            <a:pPr algn="ctr"/>
+            <a:r>
+              <a:rPr lang="ru-RU" dirty="0"/>
+              <a:t>Авиакомпании</a:t>
+            </a:r>
+          </a:p>
+        </p:txBody>
+      </p:sp>
+      <p:cxnSp>
+        <p:nvCxnSpPr>
+          <p:cNvPr id="56" name="Прямая со стрелкой 55">
+            <a:extLst>
+              <a:ext uri="{FF2B5EF4-FFF2-40B4-BE49-F238E27FC236}">
+                <a16:creationId xmlns:a16="http://schemas.microsoft.com/office/drawing/2014/main" id="{0F530D86-5B74-4D26-96AC-604B9A3D062B}"/>
+              </a:ext>
+            </a:extLst>
+          </p:cNvPr>
+          <p:cNvCxnSpPr>
+            <a:cxnSpLocks/>
+          </p:cNvCxnSpPr>
+          <p:nvPr/>
+        </p:nvCxnSpPr>
+        <p:spPr>
+          <a:xfrm flipH="1" flipV="1">
+            <a:off x="7639746" y="4208324"/>
+            <a:ext cx="912942" cy="586201"/>
+          </a:xfrm>
+          <a:prstGeom prst="straightConnector1">
+            <a:avLst/>
+          </a:prstGeom>
+          <a:ln w="38100">
+            <a:tailEnd type="triangle"/>
+          </a:ln>
+        </p:spPr>
+        <p:style>
+          <a:lnRef idx="1">
+            <a:schemeClr val="accent1"/>
+          </a:lnRef>
+          <a:fillRef idx="0">
+            <a:schemeClr val="accent1"/>
+          </a:fillRef>
+          <a:effectRef idx="0">
+            <a:schemeClr val="accent1"/>
+          </a:effectRef>
+          <a:fontRef idx="minor">
+            <a:schemeClr val="tx1"/>
+          </a:fontRef>
+        </p:style>
+      </p:cxnSp>
+      <p:cxnSp>
+        <p:nvCxnSpPr>
+          <p:cNvPr id="58" name="Прямая со стрелкой 57">
+            <a:extLst>
+              <a:ext uri="{FF2B5EF4-FFF2-40B4-BE49-F238E27FC236}">
+                <a16:creationId xmlns:a16="http://schemas.microsoft.com/office/drawing/2014/main" id="{FF836B59-3F1A-4C0C-A416-FC458BF41263}"/>
+              </a:ext>
+            </a:extLst>
+          </p:cNvPr>
+          <p:cNvCxnSpPr>
+            <a:cxnSpLocks/>
+          </p:cNvCxnSpPr>
+          <p:nvPr/>
+        </p:nvCxnSpPr>
+        <p:spPr>
+          <a:xfrm>
+            <a:off x="7650171" y="4774541"/>
+            <a:ext cx="902517" cy="606185"/>
+          </a:xfrm>
+          <a:prstGeom prst="straightConnector1">
+            <a:avLst/>
+          </a:prstGeom>
+          <a:ln w="38100">
+            <a:tailEnd type="triangle"/>
+          </a:ln>
+        </p:spPr>
+        <p:style>
+          <a:lnRef idx="1">
+            <a:schemeClr val="accent1"/>
+          </a:lnRef>
+          <a:fillRef idx="0">
+            <a:schemeClr val="accent1"/>
+          </a:fillRef>
+          <a:effectRef idx="0">
+            <a:schemeClr val="accent1"/>
+          </a:effectRef>
+          <a:fontRef idx="minor">
+            <a:schemeClr val="tx1"/>
+          </a:fontRef>
+        </p:style>
+      </p:cxnSp>
     </p:spTree>
     <p:extLst>
       <p:ext uri="{BB962C8B-B14F-4D97-AF65-F5344CB8AC3E}">

--- a/ОИБ/Курсач.pptx
+++ b/ОИБ/Курсач.pptx
@@ -259,7 +259,7 @@
           <a:p>
             <a:fld id="{D2A2E43F-BBC9-4CFA-8C8C-5F79B175A72F}" type="datetimeFigureOut">
               <a:rPr lang="ru-RU" smtClean="0"/>
-              <a:t>05.05.2020</a:t>
+              <a:t>14.05.2020</a:t>
             </a:fld>
             <a:endParaRPr lang="ru-RU"/>
           </a:p>
@@ -457,7 +457,7 @@
           <a:p>
             <a:fld id="{D2A2E43F-BBC9-4CFA-8C8C-5F79B175A72F}" type="datetimeFigureOut">
               <a:rPr lang="ru-RU" smtClean="0"/>
-              <a:t>05.05.2020</a:t>
+              <a:t>14.05.2020</a:t>
             </a:fld>
             <a:endParaRPr lang="ru-RU"/>
           </a:p>
@@ -665,7 +665,7 @@
           <a:p>
             <a:fld id="{D2A2E43F-BBC9-4CFA-8C8C-5F79B175A72F}" type="datetimeFigureOut">
               <a:rPr lang="ru-RU" smtClean="0"/>
-              <a:t>05.05.2020</a:t>
+              <a:t>14.05.2020</a:t>
             </a:fld>
             <a:endParaRPr lang="ru-RU"/>
           </a:p>
@@ -863,7 +863,7 @@
           <a:p>
             <a:fld id="{D2A2E43F-BBC9-4CFA-8C8C-5F79B175A72F}" type="datetimeFigureOut">
               <a:rPr lang="ru-RU" smtClean="0"/>
-              <a:t>05.05.2020</a:t>
+              <a:t>14.05.2020</a:t>
             </a:fld>
             <a:endParaRPr lang="ru-RU"/>
           </a:p>
@@ -1138,7 +1138,7 @@
           <a:p>
             <a:fld id="{D2A2E43F-BBC9-4CFA-8C8C-5F79B175A72F}" type="datetimeFigureOut">
               <a:rPr lang="ru-RU" smtClean="0"/>
-              <a:t>05.05.2020</a:t>
+              <a:t>14.05.2020</a:t>
             </a:fld>
             <a:endParaRPr lang="ru-RU"/>
           </a:p>
@@ -1403,7 +1403,7 @@
           <a:p>
             <a:fld id="{D2A2E43F-BBC9-4CFA-8C8C-5F79B175A72F}" type="datetimeFigureOut">
               <a:rPr lang="ru-RU" smtClean="0"/>
-              <a:t>05.05.2020</a:t>
+              <a:t>14.05.2020</a:t>
             </a:fld>
             <a:endParaRPr lang="ru-RU"/>
           </a:p>
@@ -1815,7 +1815,7 @@
           <a:p>
             <a:fld id="{D2A2E43F-BBC9-4CFA-8C8C-5F79B175A72F}" type="datetimeFigureOut">
               <a:rPr lang="ru-RU" smtClean="0"/>
-              <a:t>05.05.2020</a:t>
+              <a:t>14.05.2020</a:t>
             </a:fld>
             <a:endParaRPr lang="ru-RU"/>
           </a:p>
@@ -1956,7 +1956,7 @@
           <a:p>
             <a:fld id="{D2A2E43F-BBC9-4CFA-8C8C-5F79B175A72F}" type="datetimeFigureOut">
               <a:rPr lang="ru-RU" smtClean="0"/>
-              <a:t>05.05.2020</a:t>
+              <a:t>14.05.2020</a:t>
             </a:fld>
             <a:endParaRPr lang="ru-RU"/>
           </a:p>
@@ -2069,7 +2069,7 @@
           <a:p>
             <a:fld id="{D2A2E43F-BBC9-4CFA-8C8C-5F79B175A72F}" type="datetimeFigureOut">
               <a:rPr lang="ru-RU" smtClean="0"/>
-              <a:t>05.05.2020</a:t>
+              <a:t>14.05.2020</a:t>
             </a:fld>
             <a:endParaRPr lang="ru-RU"/>
           </a:p>
@@ -2380,7 +2380,7 @@
           <a:p>
             <a:fld id="{D2A2E43F-BBC9-4CFA-8C8C-5F79B175A72F}" type="datetimeFigureOut">
               <a:rPr lang="ru-RU" smtClean="0"/>
-              <a:t>05.05.2020</a:t>
+              <a:t>14.05.2020</a:t>
             </a:fld>
             <a:endParaRPr lang="ru-RU"/>
           </a:p>
@@ -2668,7 +2668,7 @@
           <a:p>
             <a:fld id="{D2A2E43F-BBC9-4CFA-8C8C-5F79B175A72F}" type="datetimeFigureOut">
               <a:rPr lang="ru-RU" smtClean="0"/>
-              <a:t>05.05.2020</a:t>
+              <a:t>14.05.2020</a:t>
             </a:fld>
             <a:endParaRPr lang="ru-RU"/>
           </a:p>
@@ -2909,7 +2909,7 @@
           <a:p>
             <a:fld id="{D2A2E43F-BBC9-4CFA-8C8C-5F79B175A72F}" type="datetimeFigureOut">
               <a:rPr lang="ru-RU" smtClean="0"/>
-              <a:t>05.05.2020</a:t>
+              <a:t>14.05.2020</a:t>
             </a:fld>
             <a:endParaRPr lang="ru-RU"/>
           </a:p>
@@ -3389,7 +3389,7 @@
         </p:nvSpPr>
         <p:spPr>
           <a:xfrm>
-            <a:off x="4535649" y="716516"/>
+            <a:off x="4549793" y="13001"/>
             <a:ext cx="1661096" cy="523220"/>
           </a:xfrm>
           <a:prstGeom prst="rect">
